--- a/slides/02-WhatIsAComputer.pptx
+++ b/slides/02-WhatIsAComputer.pptx
@@ -233,7 +233,7 @@
           <a:p>
             <a:fld id="{C5B45307-6ED4-B142-BD64-10F739779302}" type="datetimeFigureOut">
               <a:rPr lang="en-US" smtClean="0"/>
-              <a:t>5/26/23</a:t>
+              <a:t>6/16/23</a:t>
             </a:fld>
             <a:endParaRPr lang="en-US"/>
           </a:p>
@@ -1196,7 +1196,7 @@
           <a:noFill/>
           <a:extLst>
             <a:ext uri="{909E8E84-426E-40dd-AFC4-6F175D3DCCD1}">
-              <a14:hiddenFill xmlns:a14="http://schemas.microsoft.com/office/drawing/2010/main" xmlns="">
+              <a14:hiddenFill xmlns="" xmlns:a14="http://schemas.microsoft.com/office/drawing/2010/main">
                 <a:solidFill>
                   <a:srgbClr val="FFFFFF"/>
                 </a:solidFill>
@@ -1255,7 +1255,7 @@
             </a:ln>
             <a:extLst>
               <a:ext uri="{91240B29-F687-4f45-9708-019B960494DF}">
-                <a14:hiddenLine xmlns:a14="http://schemas.microsoft.com/office/drawing/2010/main" xmlns="" w="9525">
+                <a14:hiddenLine xmlns="" xmlns:a14="http://schemas.microsoft.com/office/drawing/2010/main" w="9525">
                   <a:solidFill>
                     <a:srgbClr val="000000"/>
                   </a:solidFill>
@@ -1345,7 +1345,7 @@
             </a:ln>
             <a:extLst>
               <a:ext uri="{91240B29-F687-4f45-9708-019B960494DF}">
-                <a14:hiddenLine xmlns:a14="http://schemas.microsoft.com/office/drawing/2010/main" xmlns="" w="9525">
+                <a14:hiddenLine xmlns="" xmlns:a14="http://schemas.microsoft.com/office/drawing/2010/main" w="9525">
                   <a:solidFill>
                     <a:srgbClr val="000000"/>
                   </a:solidFill>
@@ -1435,7 +1435,7 @@
             </a:ln>
             <a:extLst>
               <a:ext uri="{91240B29-F687-4f45-9708-019B960494DF}">
-                <a14:hiddenLine xmlns:a14="http://schemas.microsoft.com/office/drawing/2010/main" xmlns="" w="9525">
+                <a14:hiddenLine xmlns="" xmlns:a14="http://schemas.microsoft.com/office/drawing/2010/main" w="9525">
                   <a:solidFill>
                     <a:srgbClr val="000000"/>
                   </a:solidFill>
@@ -1469,7 +1469,7 @@
             </a:ln>
             <a:extLst>
               <a:ext uri="{91240B29-F687-4f45-9708-019B960494DF}">
-                <a14:hiddenLine xmlns:a14="http://schemas.microsoft.com/office/drawing/2010/main" xmlns="" w="9525">
+                <a14:hiddenLine xmlns="" xmlns:a14="http://schemas.microsoft.com/office/drawing/2010/main" w="9525">
                   <a:solidFill>
                     <a:srgbClr val="000000"/>
                   </a:solidFill>
@@ -1559,7 +1559,7 @@
             </a:ln>
             <a:extLst>
               <a:ext uri="{91240B29-F687-4f45-9708-019B960494DF}">
-                <a14:hiddenLine xmlns:a14="http://schemas.microsoft.com/office/drawing/2010/main" xmlns="" w="9525">
+                <a14:hiddenLine xmlns="" xmlns:a14="http://schemas.microsoft.com/office/drawing/2010/main" w="9525">
                   <a:solidFill>
                     <a:srgbClr val="000000"/>
                   </a:solidFill>
@@ -1621,7 +1621,7 @@
             </a:ln>
             <a:extLst>
               <a:ext uri="{91240B29-F687-4f45-9708-019B960494DF}">
-                <a14:hiddenLine xmlns:a14="http://schemas.microsoft.com/office/drawing/2010/main" xmlns="" w="9525">
+                <a14:hiddenLine xmlns="" xmlns:a14="http://schemas.microsoft.com/office/drawing/2010/main" w="9525">
                   <a:solidFill>
                     <a:srgbClr val="000000"/>
                   </a:solidFill>
@@ -1683,7 +1683,7 @@
             </a:ln>
             <a:extLst>
               <a:ext uri="{91240B29-F687-4f45-9708-019B960494DF}">
-                <a14:hiddenLine xmlns:a14="http://schemas.microsoft.com/office/drawing/2010/main" xmlns="" w="9525">
+                <a14:hiddenLine xmlns="" xmlns:a14="http://schemas.microsoft.com/office/drawing/2010/main" w="9525">
                   <a:solidFill>
                     <a:srgbClr val="000000"/>
                   </a:solidFill>
@@ -1773,7 +1773,7 @@
             </a:ln>
             <a:extLst>
               <a:ext uri="{91240B29-F687-4f45-9708-019B960494DF}">
-                <a14:hiddenLine xmlns:a14="http://schemas.microsoft.com/office/drawing/2010/main" xmlns="" w="9525">
+                <a14:hiddenLine xmlns="" xmlns:a14="http://schemas.microsoft.com/office/drawing/2010/main" w="9525">
                   <a:solidFill>
                     <a:srgbClr val="000000"/>
                   </a:solidFill>
@@ -1835,7 +1835,7 @@
             </a:ln>
             <a:extLst>
               <a:ext uri="{91240B29-F687-4f45-9708-019B960494DF}">
-                <a14:hiddenLine xmlns:a14="http://schemas.microsoft.com/office/drawing/2010/main" xmlns="" w="9525">
+                <a14:hiddenLine xmlns="" xmlns:a14="http://schemas.microsoft.com/office/drawing/2010/main" w="9525">
                   <a:solidFill>
                     <a:srgbClr val="000000"/>
                   </a:solidFill>
@@ -1897,7 +1897,7 @@
             </a:ln>
             <a:extLst>
               <a:ext uri="{91240B29-F687-4f45-9708-019B960494DF}">
-                <a14:hiddenLine xmlns:a14="http://schemas.microsoft.com/office/drawing/2010/main" xmlns="" w="9525">
+                <a14:hiddenLine xmlns="" xmlns:a14="http://schemas.microsoft.com/office/drawing/2010/main" w="9525">
                   <a:solidFill>
                     <a:srgbClr val="000000"/>
                   </a:solidFill>
@@ -1987,7 +1987,7 @@
             </a:ln>
             <a:extLst>
               <a:ext uri="{91240B29-F687-4f45-9708-019B960494DF}">
-                <a14:hiddenLine xmlns:a14="http://schemas.microsoft.com/office/drawing/2010/main" xmlns="" w="9525">
+                <a14:hiddenLine xmlns="" xmlns:a14="http://schemas.microsoft.com/office/drawing/2010/main" w="9525">
                   <a:solidFill>
                     <a:srgbClr val="000000"/>
                   </a:solidFill>
@@ -2077,7 +2077,7 @@
             </a:ln>
             <a:extLst>
               <a:ext uri="{91240B29-F687-4f45-9708-019B960494DF}">
-                <a14:hiddenLine xmlns:a14="http://schemas.microsoft.com/office/drawing/2010/main" xmlns="" w="9525">
+                <a14:hiddenLine xmlns="" xmlns:a14="http://schemas.microsoft.com/office/drawing/2010/main" w="9525">
                   <a:solidFill>
                     <a:srgbClr val="000000"/>
                   </a:solidFill>
@@ -2139,7 +2139,7 @@
             </a:ln>
             <a:extLst>
               <a:ext uri="{91240B29-F687-4f45-9708-019B960494DF}">
-                <a14:hiddenLine xmlns:a14="http://schemas.microsoft.com/office/drawing/2010/main" xmlns="" w="9525">
+                <a14:hiddenLine xmlns="" xmlns:a14="http://schemas.microsoft.com/office/drawing/2010/main" w="9525">
                   <a:solidFill>
                     <a:srgbClr val="000000"/>
                   </a:solidFill>
@@ -2249,7 +2249,7 @@
             </a:ln>
             <a:extLst>
               <a:ext uri="{91240B29-F687-4f45-9708-019B960494DF}">
-                <a14:hiddenLine xmlns:a14="http://schemas.microsoft.com/office/drawing/2010/main" xmlns="" w="9525">
+                <a14:hiddenLine xmlns="" xmlns:a14="http://schemas.microsoft.com/office/drawing/2010/main" w="9525">
                   <a:solidFill>
                     <a:srgbClr val="000000"/>
                   </a:solidFill>
@@ -2311,7 +2311,7 @@
             </a:ln>
             <a:extLst>
               <a:ext uri="{91240B29-F687-4f45-9708-019B960494DF}">
-                <a14:hiddenLine xmlns:a14="http://schemas.microsoft.com/office/drawing/2010/main" xmlns="" w="9525">
+                <a14:hiddenLine xmlns="" xmlns:a14="http://schemas.microsoft.com/office/drawing/2010/main" w="9525">
                   <a:solidFill>
                     <a:srgbClr val="000000"/>
                   </a:solidFill>
@@ -2401,7 +2401,7 @@
             </a:ln>
             <a:extLst>
               <a:ext uri="{91240B29-F687-4f45-9708-019B960494DF}">
-                <a14:hiddenLine xmlns:a14="http://schemas.microsoft.com/office/drawing/2010/main" xmlns="" w="9525">
+                <a14:hiddenLine xmlns="" xmlns:a14="http://schemas.microsoft.com/office/drawing/2010/main" w="9525">
                   <a:solidFill>
                     <a:srgbClr val="000000"/>
                   </a:solidFill>
@@ -2491,7 +2491,7 @@
             </a:ln>
             <a:extLst>
               <a:ext uri="{91240B29-F687-4f45-9708-019B960494DF}">
-                <a14:hiddenLine xmlns:a14="http://schemas.microsoft.com/office/drawing/2010/main" xmlns="" w="9525">
+                <a14:hiddenLine xmlns="" xmlns:a14="http://schemas.microsoft.com/office/drawing/2010/main" w="9525">
                   <a:solidFill>
                     <a:srgbClr val="000000"/>
                   </a:solidFill>
@@ -2553,7 +2553,7 @@
             </a:ln>
             <a:extLst>
               <a:ext uri="{91240B29-F687-4f45-9708-019B960494DF}">
-                <a14:hiddenLine xmlns:a14="http://schemas.microsoft.com/office/drawing/2010/main" xmlns="" w="9525">
+                <a14:hiddenLine xmlns="" xmlns:a14="http://schemas.microsoft.com/office/drawing/2010/main" w="9525">
                   <a:solidFill>
                     <a:srgbClr val="000000"/>
                   </a:solidFill>
@@ -2643,7 +2643,7 @@
             </a:ln>
             <a:extLst>
               <a:ext uri="{91240B29-F687-4f45-9708-019B960494DF}">
-                <a14:hiddenLine xmlns:a14="http://schemas.microsoft.com/office/drawing/2010/main" xmlns="" w="9525">
+                <a14:hiddenLine xmlns="" xmlns:a14="http://schemas.microsoft.com/office/drawing/2010/main" w="9525">
                   <a:solidFill>
                     <a:srgbClr val="000000"/>
                   </a:solidFill>
@@ -2733,7 +2733,7 @@
             </a:ln>
             <a:extLst>
               <a:ext uri="{91240B29-F687-4f45-9708-019B960494DF}">
-                <a14:hiddenLine xmlns:a14="http://schemas.microsoft.com/office/drawing/2010/main" xmlns="" w="9525">
+                <a14:hiddenLine xmlns="" xmlns:a14="http://schemas.microsoft.com/office/drawing/2010/main" w="9525">
                   <a:solidFill>
                     <a:srgbClr val="000000"/>
                   </a:solidFill>
@@ -2789,7 +2789,7 @@
             </a:ln>
             <a:extLst>
               <a:ext uri="{91240B29-F687-4f45-9708-019B960494DF}">
-                <a14:hiddenLine xmlns:a14="http://schemas.microsoft.com/office/drawing/2010/main" xmlns="" w="9525">
+                <a14:hiddenLine xmlns="" xmlns:a14="http://schemas.microsoft.com/office/drawing/2010/main" w="9525">
                   <a:solidFill>
                     <a:srgbClr val="000000"/>
                   </a:solidFill>
@@ -2879,7 +2879,7 @@
             </a:ln>
             <a:extLst>
               <a:ext uri="{91240B29-F687-4f45-9708-019B960494DF}">
-                <a14:hiddenLine xmlns:a14="http://schemas.microsoft.com/office/drawing/2010/main" xmlns="" w="9525">
+                <a14:hiddenLine xmlns="" xmlns:a14="http://schemas.microsoft.com/office/drawing/2010/main" w="9525">
                   <a:solidFill>
                     <a:srgbClr val="000000"/>
                   </a:solidFill>
@@ -2935,7 +2935,7 @@
             </a:ln>
             <a:extLst>
               <a:ext uri="{91240B29-F687-4f45-9708-019B960494DF}">
-                <a14:hiddenLine xmlns:a14="http://schemas.microsoft.com/office/drawing/2010/main" xmlns="" w="9525">
+                <a14:hiddenLine xmlns="" xmlns:a14="http://schemas.microsoft.com/office/drawing/2010/main" w="9525">
                   <a:solidFill>
                     <a:srgbClr val="000000"/>
                   </a:solidFill>
@@ -3025,7 +3025,7 @@
             </a:ln>
             <a:extLst>
               <a:ext uri="{91240B29-F687-4f45-9708-019B960494DF}">
-                <a14:hiddenLine xmlns:a14="http://schemas.microsoft.com/office/drawing/2010/main" xmlns="" w="9525">
+                <a14:hiddenLine xmlns="" xmlns:a14="http://schemas.microsoft.com/office/drawing/2010/main" w="9525">
                   <a:solidFill>
                     <a:srgbClr val="000000"/>
                   </a:solidFill>
@@ -3093,7 +3093,7 @@
             </a:ln>
             <a:extLst>
               <a:ext uri="{91240B29-F687-4f45-9708-019B960494DF}">
-                <a14:hiddenLine xmlns:a14="http://schemas.microsoft.com/office/drawing/2010/main" xmlns="" w="9525">
+                <a14:hiddenLine xmlns="" xmlns:a14="http://schemas.microsoft.com/office/drawing/2010/main" w="9525">
                   <a:solidFill>
                     <a:srgbClr val="000000"/>
                   </a:solidFill>
@@ -3183,7 +3183,7 @@
             </a:ln>
             <a:extLst>
               <a:ext uri="{91240B29-F687-4f45-9708-019B960494DF}">
-                <a14:hiddenLine xmlns:a14="http://schemas.microsoft.com/office/drawing/2010/main" xmlns="" w="9525">
+                <a14:hiddenLine xmlns="" xmlns:a14="http://schemas.microsoft.com/office/drawing/2010/main" w="9525">
                   <a:solidFill>
                     <a:srgbClr val="000000"/>
                   </a:solidFill>
@@ -3251,7 +3251,7 @@
             </a:ln>
             <a:extLst>
               <a:ext uri="{91240B29-F687-4f45-9708-019B960494DF}">
-                <a14:hiddenLine xmlns:a14="http://schemas.microsoft.com/office/drawing/2010/main" xmlns="" w="9525">
+                <a14:hiddenLine xmlns="" xmlns:a14="http://schemas.microsoft.com/office/drawing/2010/main" w="9525">
                   <a:solidFill>
                     <a:srgbClr val="000000"/>
                   </a:solidFill>
@@ -3341,7 +3341,7 @@
             </a:ln>
             <a:extLst>
               <a:ext uri="{91240B29-F687-4f45-9708-019B960494DF}">
-                <a14:hiddenLine xmlns:a14="http://schemas.microsoft.com/office/drawing/2010/main" xmlns="" w="9525">
+                <a14:hiddenLine xmlns="" xmlns:a14="http://schemas.microsoft.com/office/drawing/2010/main" w="9525">
                   <a:solidFill>
                     <a:srgbClr val="000000"/>
                   </a:solidFill>
@@ -3375,7 +3375,7 @@
             </a:ln>
             <a:extLst>
               <a:ext uri="{91240B29-F687-4f45-9708-019B960494DF}">
-                <a14:hiddenLine xmlns:a14="http://schemas.microsoft.com/office/drawing/2010/main" xmlns="" w="9525">
+                <a14:hiddenLine xmlns="" xmlns:a14="http://schemas.microsoft.com/office/drawing/2010/main" w="9525">
                   <a:solidFill>
                     <a:srgbClr val="000000"/>
                   </a:solidFill>
@@ -3465,7 +3465,7 @@
             </a:ln>
             <a:extLst>
               <a:ext uri="{91240B29-F687-4f45-9708-019B960494DF}">
-                <a14:hiddenLine xmlns:a14="http://schemas.microsoft.com/office/drawing/2010/main" xmlns="" w="9525">
+                <a14:hiddenLine xmlns="" xmlns:a14="http://schemas.microsoft.com/office/drawing/2010/main" w="9525">
                   <a:solidFill>
                     <a:srgbClr val="000000"/>
                   </a:solidFill>
@@ -3527,7 +3527,7 @@
             </a:ln>
             <a:extLst>
               <a:ext uri="{91240B29-F687-4f45-9708-019B960494DF}">
-                <a14:hiddenLine xmlns:a14="http://schemas.microsoft.com/office/drawing/2010/main" xmlns="" w="9525">
+                <a14:hiddenLine xmlns="" xmlns:a14="http://schemas.microsoft.com/office/drawing/2010/main" w="9525">
                   <a:solidFill>
                     <a:srgbClr val="000000"/>
                   </a:solidFill>
@@ -3589,7 +3589,7 @@
             </a:ln>
             <a:extLst>
               <a:ext uri="{91240B29-F687-4f45-9708-019B960494DF}">
-                <a14:hiddenLine xmlns:a14="http://schemas.microsoft.com/office/drawing/2010/main" xmlns="" w="9525">
+                <a14:hiddenLine xmlns="" xmlns:a14="http://schemas.microsoft.com/office/drawing/2010/main" w="9525">
                   <a:solidFill>
                     <a:srgbClr val="000000"/>
                   </a:solidFill>
@@ -3679,7 +3679,7 @@
             </a:ln>
             <a:extLst>
               <a:ext uri="{91240B29-F687-4f45-9708-019B960494DF}">
-                <a14:hiddenLine xmlns:a14="http://schemas.microsoft.com/office/drawing/2010/main" xmlns="" w="9525">
+                <a14:hiddenLine xmlns="" xmlns:a14="http://schemas.microsoft.com/office/drawing/2010/main" w="9525">
                   <a:solidFill>
                     <a:srgbClr val="000000"/>
                   </a:solidFill>
@@ -3747,7 +3747,7 @@
             </a:ln>
             <a:extLst>
               <a:ext uri="{91240B29-F687-4f45-9708-019B960494DF}">
-                <a14:hiddenLine xmlns:a14="http://schemas.microsoft.com/office/drawing/2010/main" xmlns="" w="9525">
+                <a14:hiddenLine xmlns="" xmlns:a14="http://schemas.microsoft.com/office/drawing/2010/main" w="9525">
                   <a:solidFill>
                     <a:srgbClr val="000000"/>
                   </a:solidFill>
@@ -3809,7 +3809,7 @@
             </a:ln>
             <a:extLst>
               <a:ext uri="{91240B29-F687-4f45-9708-019B960494DF}">
-                <a14:hiddenLine xmlns:a14="http://schemas.microsoft.com/office/drawing/2010/main" xmlns="" w="9525">
+                <a14:hiddenLine xmlns="" xmlns:a14="http://schemas.microsoft.com/office/drawing/2010/main" w="9525">
                   <a:solidFill>
                     <a:srgbClr val="000000"/>
                   </a:solidFill>
@@ -3899,7 +3899,7 @@
             </a:ln>
             <a:extLst>
               <a:ext uri="{91240B29-F687-4f45-9708-019B960494DF}">
-                <a14:hiddenLine xmlns:a14="http://schemas.microsoft.com/office/drawing/2010/main" xmlns="" w="9525">
+                <a14:hiddenLine xmlns="" xmlns:a14="http://schemas.microsoft.com/office/drawing/2010/main" w="9525">
                   <a:solidFill>
                     <a:srgbClr val="000000"/>
                   </a:solidFill>
@@ -3961,7 +3961,7 @@
             </a:ln>
             <a:extLst>
               <a:ext uri="{91240B29-F687-4f45-9708-019B960494DF}">
-                <a14:hiddenLine xmlns:a14="http://schemas.microsoft.com/office/drawing/2010/main" xmlns="" w="9525">
+                <a14:hiddenLine xmlns="" xmlns:a14="http://schemas.microsoft.com/office/drawing/2010/main" w="9525">
                   <a:solidFill>
                     <a:srgbClr val="000000"/>
                   </a:solidFill>
@@ -4051,7 +4051,7 @@
             </a:ln>
             <a:extLst>
               <a:ext uri="{91240B29-F687-4f45-9708-019B960494DF}">
-                <a14:hiddenLine xmlns:a14="http://schemas.microsoft.com/office/drawing/2010/main" xmlns="" w="9525">
+                <a14:hiddenLine xmlns="" xmlns:a14="http://schemas.microsoft.com/office/drawing/2010/main" w="9525">
                   <a:solidFill>
                     <a:srgbClr val="000000"/>
                   </a:solidFill>
@@ -4113,7 +4113,7 @@
             </a:ln>
             <a:extLst>
               <a:ext uri="{91240B29-F687-4f45-9708-019B960494DF}">
-                <a14:hiddenLine xmlns:a14="http://schemas.microsoft.com/office/drawing/2010/main" xmlns="" w="9525">
+                <a14:hiddenLine xmlns="" xmlns:a14="http://schemas.microsoft.com/office/drawing/2010/main" w="9525">
                   <a:solidFill>
                     <a:srgbClr val="000000"/>
                   </a:solidFill>
@@ -4203,7 +4203,7 @@
             </a:ln>
             <a:extLst>
               <a:ext uri="{91240B29-F687-4f45-9708-019B960494DF}">
-                <a14:hiddenLine xmlns:a14="http://schemas.microsoft.com/office/drawing/2010/main" xmlns="" w="9525">
+                <a14:hiddenLine xmlns="" xmlns:a14="http://schemas.microsoft.com/office/drawing/2010/main" w="9525">
                   <a:solidFill>
                     <a:srgbClr val="000000"/>
                   </a:solidFill>
@@ -4237,7 +4237,7 @@
             </a:ln>
             <a:extLst>
               <a:ext uri="{91240B29-F687-4f45-9708-019B960494DF}">
-                <a14:hiddenLine xmlns:a14="http://schemas.microsoft.com/office/drawing/2010/main" xmlns="" w="9525">
+                <a14:hiddenLine xmlns="" xmlns:a14="http://schemas.microsoft.com/office/drawing/2010/main" w="9525">
                   <a:solidFill>
                     <a:srgbClr val="000000"/>
                   </a:solidFill>
@@ -4302,7 +4302,7 @@
             </a:ln>
             <a:extLst>
               <a:ext uri="{91240B29-F687-4f45-9708-019B960494DF}">
-                <a14:hiddenLine xmlns:a14="http://schemas.microsoft.com/office/drawing/2010/main" xmlns="" w="9525">
+                <a14:hiddenLine xmlns="" xmlns:a14="http://schemas.microsoft.com/office/drawing/2010/main" w="9525">
                   <a:solidFill>
                     <a:srgbClr val="000000"/>
                   </a:solidFill>
@@ -4392,7 +4392,7 @@
             </a:ln>
             <a:extLst>
               <a:ext uri="{91240B29-F687-4f45-9708-019B960494DF}">
-                <a14:hiddenLine xmlns:a14="http://schemas.microsoft.com/office/drawing/2010/main" xmlns="" w="9525">
+                <a14:hiddenLine xmlns="" xmlns:a14="http://schemas.microsoft.com/office/drawing/2010/main" w="9525">
                   <a:solidFill>
                     <a:srgbClr val="000000"/>
                   </a:solidFill>
@@ -4454,7 +4454,7 @@
             </a:ln>
             <a:extLst>
               <a:ext uri="{91240B29-F687-4f45-9708-019B960494DF}">
-                <a14:hiddenLine xmlns:a14="http://schemas.microsoft.com/office/drawing/2010/main" xmlns="" w="9525">
+                <a14:hiddenLine xmlns="" xmlns:a14="http://schemas.microsoft.com/office/drawing/2010/main" w="9525">
                   <a:solidFill>
                     <a:srgbClr val="000000"/>
                   </a:solidFill>
@@ -4544,7 +4544,7 @@
             </a:ln>
             <a:extLst>
               <a:ext uri="{91240B29-F687-4f45-9708-019B960494DF}">
-                <a14:hiddenLine xmlns:a14="http://schemas.microsoft.com/office/drawing/2010/main" xmlns="" w="9525">
+                <a14:hiddenLine xmlns="" xmlns:a14="http://schemas.microsoft.com/office/drawing/2010/main" w="9525">
                   <a:solidFill>
                     <a:srgbClr val="000000"/>
                   </a:solidFill>
@@ -4634,7 +4634,7 @@
             </a:ln>
             <a:extLst>
               <a:ext uri="{91240B29-F687-4f45-9708-019B960494DF}">
-                <a14:hiddenLine xmlns:a14="http://schemas.microsoft.com/office/drawing/2010/main" xmlns="" w="9525">
+                <a14:hiddenLine xmlns="" xmlns:a14="http://schemas.microsoft.com/office/drawing/2010/main" w="9525">
                   <a:solidFill>
                     <a:srgbClr val="000000"/>
                   </a:solidFill>
@@ -4699,7 +4699,7 @@
             </a:ln>
             <a:extLst>
               <a:ext uri="{91240B29-F687-4f45-9708-019B960494DF}">
-                <a14:hiddenLine xmlns:a14="http://schemas.microsoft.com/office/drawing/2010/main" xmlns="" w="9525">
+                <a14:hiddenLine xmlns="" xmlns:a14="http://schemas.microsoft.com/office/drawing/2010/main" w="9525">
                   <a:solidFill>
                     <a:srgbClr val="000000"/>
                   </a:solidFill>
@@ -4761,7 +4761,7 @@
             </a:ln>
             <a:extLst>
               <a:ext uri="{91240B29-F687-4f45-9708-019B960494DF}">
-                <a14:hiddenLine xmlns:a14="http://schemas.microsoft.com/office/drawing/2010/main" xmlns="" w="9525">
+                <a14:hiddenLine xmlns="" xmlns:a14="http://schemas.microsoft.com/office/drawing/2010/main" w="9525">
                   <a:solidFill>
                     <a:srgbClr val="000000"/>
                   </a:solidFill>
@@ -4851,7 +4851,7 @@
             </a:ln>
             <a:extLst>
               <a:ext uri="{91240B29-F687-4f45-9708-019B960494DF}">
-                <a14:hiddenLine xmlns:a14="http://schemas.microsoft.com/office/drawing/2010/main" xmlns="" w="9525">
+                <a14:hiddenLine xmlns="" xmlns:a14="http://schemas.microsoft.com/office/drawing/2010/main" w="9525">
                   <a:solidFill>
                     <a:srgbClr val="000000"/>
                   </a:solidFill>
@@ -4941,7 +4941,7 @@
             </a:ln>
             <a:extLst>
               <a:ext uri="{91240B29-F687-4f45-9708-019B960494DF}">
-                <a14:hiddenLine xmlns:a14="http://schemas.microsoft.com/office/drawing/2010/main" xmlns="" w="9525">
+                <a14:hiddenLine xmlns="" xmlns:a14="http://schemas.microsoft.com/office/drawing/2010/main" w="9525">
                   <a:solidFill>
                     <a:srgbClr val="000000"/>
                   </a:solidFill>
@@ -5003,7 +5003,7 @@
             </a:ln>
             <a:extLst>
               <a:ext uri="{91240B29-F687-4f45-9708-019B960494DF}">
-                <a14:hiddenLine xmlns:a14="http://schemas.microsoft.com/office/drawing/2010/main" xmlns="" w="9525">
+                <a14:hiddenLine xmlns="" xmlns:a14="http://schemas.microsoft.com/office/drawing/2010/main" w="9525">
                   <a:solidFill>
                     <a:srgbClr val="000000"/>
                   </a:solidFill>
@@ -5123,7 +5123,7 @@
             </a:ln>
             <a:extLst>
               <a:ext uri="{91240B29-F687-4f45-9708-019B960494DF}">
-                <a14:hiddenLine xmlns:a14="http://schemas.microsoft.com/office/drawing/2010/main" xmlns="" w="9525">
+                <a14:hiddenLine xmlns="" xmlns:a14="http://schemas.microsoft.com/office/drawing/2010/main" w="9525">
                   <a:solidFill>
                     <a:srgbClr val="000000"/>
                   </a:solidFill>
@@ -5191,7 +5191,7 @@
             </a:ln>
             <a:extLst>
               <a:ext uri="{91240B29-F687-4f45-9708-019B960494DF}">
-                <a14:hiddenLine xmlns:a14="http://schemas.microsoft.com/office/drawing/2010/main" xmlns="" w="9525">
+                <a14:hiddenLine xmlns="" xmlns:a14="http://schemas.microsoft.com/office/drawing/2010/main" w="9525">
                   <a:solidFill>
                     <a:srgbClr val="000000"/>
                   </a:solidFill>
@@ -5281,7 +5281,7 @@
             </a:ln>
             <a:extLst>
               <a:ext uri="{91240B29-F687-4f45-9708-019B960494DF}">
-                <a14:hiddenLine xmlns:a14="http://schemas.microsoft.com/office/drawing/2010/main" xmlns="" w="9525">
+                <a14:hiddenLine xmlns="" xmlns:a14="http://schemas.microsoft.com/office/drawing/2010/main" w="9525">
                   <a:solidFill>
                     <a:srgbClr val="000000"/>
                   </a:solidFill>
@@ -5421,7 +5421,7 @@
           <a:p>
             <a:fld id="{EC4347D3-4C9A-C240-8F14-750059DFEEB0}" type="datetimeFigureOut">
               <a:rPr lang="en-US" smtClean="0"/>
-              <a:t>5/26/23</a:t>
+              <a:t>6/16/23</a:t>
             </a:fld>
             <a:endParaRPr lang="en-US"/>
           </a:p>
@@ -5688,7 +5688,7 @@
           <a:p>
             <a:fld id="{EC4347D3-4C9A-C240-8F14-750059DFEEB0}" type="datetimeFigureOut">
               <a:rPr lang="en-US" smtClean="0"/>
-              <a:t>5/26/23</a:t>
+              <a:t>6/16/23</a:t>
             </a:fld>
             <a:endParaRPr lang="en-US"/>
           </a:p>
@@ -5884,7 +5884,7 @@
           <a:p>
             <a:fld id="{EC4347D3-4C9A-C240-8F14-750059DFEEB0}" type="datetimeFigureOut">
               <a:rPr lang="en-US" smtClean="0"/>
-              <a:t>5/26/23</a:t>
+              <a:t>6/16/23</a:t>
             </a:fld>
             <a:endParaRPr lang="en-US"/>
           </a:p>
@@ -6147,7 +6147,7 @@
           <a:p>
             <a:fld id="{EC4347D3-4C9A-C240-8F14-750059DFEEB0}" type="datetimeFigureOut">
               <a:rPr lang="en-US" smtClean="0"/>
-              <a:t>5/26/23</a:t>
+              <a:t>6/16/23</a:t>
             </a:fld>
             <a:endParaRPr lang="en-US"/>
           </a:p>
@@ -6581,7 +6581,7 @@
           <a:p>
             <a:fld id="{EC4347D3-4C9A-C240-8F14-750059DFEEB0}" type="datetimeFigureOut">
               <a:rPr lang="en-US" smtClean="0"/>
-              <a:t>5/26/23</a:t>
+              <a:t>6/16/23</a:t>
             </a:fld>
             <a:endParaRPr lang="en-US"/>
           </a:p>
@@ -7127,7 +7127,7 @@
           <a:p>
             <a:fld id="{EC4347D3-4C9A-C240-8F14-750059DFEEB0}" type="datetimeFigureOut">
               <a:rPr lang="en-US" smtClean="0"/>
-              <a:t>5/26/23</a:t>
+              <a:t>6/16/23</a:t>
             </a:fld>
             <a:endParaRPr lang="en-US"/>
           </a:p>
@@ -7847,7 +7847,7 @@
           <a:p>
             <a:fld id="{EC4347D3-4C9A-C240-8F14-750059DFEEB0}" type="datetimeFigureOut">
               <a:rPr lang="en-US" smtClean="0"/>
-              <a:t>5/26/23</a:t>
+              <a:t>6/16/23</a:t>
             </a:fld>
             <a:endParaRPr lang="en-US"/>
           </a:p>
@@ -8017,7 +8017,7 @@
           <a:p>
             <a:fld id="{EC4347D3-4C9A-C240-8F14-750059DFEEB0}" type="datetimeFigureOut">
               <a:rPr lang="en-US" smtClean="0"/>
-              <a:t>5/26/23</a:t>
+              <a:t>6/16/23</a:t>
             </a:fld>
             <a:endParaRPr lang="en-US"/>
           </a:p>
@@ -8197,7 +8197,7 @@
           <a:p>
             <a:fld id="{EC4347D3-4C9A-C240-8F14-750059DFEEB0}" type="datetimeFigureOut">
               <a:rPr lang="en-US" smtClean="0"/>
-              <a:t>5/26/23</a:t>
+              <a:t>6/16/23</a:t>
             </a:fld>
             <a:endParaRPr lang="en-US"/>
           </a:p>
@@ -8367,7 +8367,7 @@
           <a:p>
             <a:fld id="{EC4347D3-4C9A-C240-8F14-750059DFEEB0}" type="datetimeFigureOut">
               <a:rPr lang="en-US" smtClean="0"/>
-              <a:t>5/26/23</a:t>
+              <a:t>6/16/23</a:t>
             </a:fld>
             <a:endParaRPr lang="en-US"/>
           </a:p>
@@ -8617,7 +8617,7 @@
           <a:p>
             <a:fld id="{EC4347D3-4C9A-C240-8F14-750059DFEEB0}" type="datetimeFigureOut">
               <a:rPr lang="en-US" smtClean="0"/>
-              <a:t>5/26/23</a:t>
+              <a:t>6/16/23</a:t>
             </a:fld>
             <a:endParaRPr lang="en-US"/>
           </a:p>
@@ -8849,7 +8849,7 @@
           <a:p>
             <a:fld id="{EC4347D3-4C9A-C240-8F14-750059DFEEB0}" type="datetimeFigureOut">
               <a:rPr lang="en-US" smtClean="0"/>
-              <a:t>5/26/23</a:t>
+              <a:t>6/16/23</a:t>
             </a:fld>
             <a:endParaRPr lang="en-US"/>
           </a:p>
@@ -9235,7 +9235,7 @@
           <a:p>
             <a:fld id="{EC4347D3-4C9A-C240-8F14-750059DFEEB0}" type="datetimeFigureOut">
               <a:rPr lang="en-US" smtClean="0"/>
-              <a:t>5/26/23</a:t>
+              <a:t>6/16/23</a:t>
             </a:fld>
             <a:endParaRPr lang="en-US"/>
           </a:p>
@@ -9358,7 +9358,7 @@
           <a:p>
             <a:fld id="{EC4347D3-4C9A-C240-8F14-750059DFEEB0}" type="datetimeFigureOut">
               <a:rPr lang="en-US" smtClean="0"/>
-              <a:t>5/26/23</a:t>
+              <a:t>6/16/23</a:t>
             </a:fld>
             <a:endParaRPr lang="en-US"/>
           </a:p>
@@ -9453,7 +9453,7 @@
           <a:p>
             <a:fld id="{EC4347D3-4C9A-C240-8F14-750059DFEEB0}" type="datetimeFigureOut">
               <a:rPr lang="en-US" smtClean="0"/>
-              <a:t>5/26/23</a:t>
+              <a:t>6/16/23</a:t>
             </a:fld>
             <a:endParaRPr lang="en-US"/>
           </a:p>
@@ -9702,7 +9702,7 @@
           <a:p>
             <a:fld id="{EC4347D3-4C9A-C240-8F14-750059DFEEB0}" type="datetimeFigureOut">
               <a:rPr lang="en-US" smtClean="0"/>
-              <a:t>5/26/23</a:t>
+              <a:t>6/16/23</a:t>
             </a:fld>
             <a:endParaRPr lang="en-US"/>
           </a:p>
@@ -9987,7 +9987,7 @@
           <a:p>
             <a:fld id="{EC4347D3-4C9A-C240-8F14-750059DFEEB0}" type="datetimeFigureOut">
               <a:rPr lang="en-US" smtClean="0"/>
-              <a:t>5/26/23</a:t>
+              <a:t>6/16/23</a:t>
             </a:fld>
             <a:endParaRPr lang="en-US"/>
           </a:p>
@@ -10110,7 +10110,7 @@
           <a:noFill/>
           <a:extLst>
             <a:ext uri="{909E8E84-426E-40dd-AFC4-6F175D3DCCD1}">
-              <a14:hiddenFill xmlns:a14="http://schemas.microsoft.com/office/drawing/2010/main" xmlns="">
+              <a14:hiddenFill xmlns="" xmlns:a14="http://schemas.microsoft.com/office/drawing/2010/main">
                 <a:solidFill>
                   <a:srgbClr val="FFFFFF"/>
                 </a:solidFill>
@@ -10184,7 +10184,7 @@
               </a:ln>
               <a:extLst>
                 <a:ext uri="{91240B29-F687-4f45-9708-019B960494DF}">
-                  <a14:hiddenLine xmlns:a14="http://schemas.microsoft.com/office/drawing/2010/main" xmlns="" w="9525">
+                  <a14:hiddenLine xmlns="" xmlns:a14="http://schemas.microsoft.com/office/drawing/2010/main" w="9525">
                     <a:solidFill>
                       <a:srgbClr val="000000"/>
                     </a:solidFill>
@@ -10274,7 +10274,7 @@
               </a:ln>
               <a:extLst>
                 <a:ext uri="{91240B29-F687-4f45-9708-019B960494DF}">
-                  <a14:hiddenLine xmlns:a14="http://schemas.microsoft.com/office/drawing/2010/main" xmlns="" w="9525">
+                  <a14:hiddenLine xmlns="" xmlns:a14="http://schemas.microsoft.com/office/drawing/2010/main" w="9525">
                     <a:solidFill>
                       <a:srgbClr val="000000"/>
                     </a:solidFill>
@@ -10364,7 +10364,7 @@
               </a:ln>
               <a:extLst>
                 <a:ext uri="{91240B29-F687-4f45-9708-019B960494DF}">
-                  <a14:hiddenLine xmlns:a14="http://schemas.microsoft.com/office/drawing/2010/main" xmlns="" w="9525">
+                  <a14:hiddenLine xmlns="" xmlns:a14="http://schemas.microsoft.com/office/drawing/2010/main" w="9525">
                     <a:solidFill>
                       <a:srgbClr val="000000"/>
                     </a:solidFill>
@@ -10426,7 +10426,7 @@
               </a:ln>
               <a:extLst>
                 <a:ext uri="{91240B29-F687-4f45-9708-019B960494DF}">
-                  <a14:hiddenLine xmlns:a14="http://schemas.microsoft.com/office/drawing/2010/main" xmlns="" w="9525">
+                  <a14:hiddenLine xmlns="" xmlns:a14="http://schemas.microsoft.com/office/drawing/2010/main" w="9525">
                     <a:solidFill>
                       <a:srgbClr val="000000"/>
                     </a:solidFill>
@@ -10516,7 +10516,7 @@
               </a:ln>
               <a:extLst>
                 <a:ext uri="{91240B29-F687-4f45-9708-019B960494DF}">
-                  <a14:hiddenLine xmlns:a14="http://schemas.microsoft.com/office/drawing/2010/main" xmlns="" w="9525">
+                  <a14:hiddenLine xmlns="" xmlns:a14="http://schemas.microsoft.com/office/drawing/2010/main" w="9525">
                     <a:solidFill>
                       <a:srgbClr val="000000"/>
                     </a:solidFill>
@@ -10578,7 +10578,7 @@
               </a:ln>
               <a:extLst>
                 <a:ext uri="{91240B29-F687-4f45-9708-019B960494DF}">
-                  <a14:hiddenLine xmlns:a14="http://schemas.microsoft.com/office/drawing/2010/main" xmlns="" w="9525">
+                  <a14:hiddenLine xmlns="" xmlns:a14="http://schemas.microsoft.com/office/drawing/2010/main" w="9525">
                     <a:solidFill>
                       <a:srgbClr val="000000"/>
                     </a:solidFill>
@@ -10640,7 +10640,7 @@
               </a:ln>
               <a:extLst>
                 <a:ext uri="{91240B29-F687-4f45-9708-019B960494DF}">
-                  <a14:hiddenLine xmlns:a14="http://schemas.microsoft.com/office/drawing/2010/main" xmlns="" w="9525">
+                  <a14:hiddenLine xmlns="" xmlns:a14="http://schemas.microsoft.com/office/drawing/2010/main" w="9525">
                     <a:solidFill>
                       <a:srgbClr val="000000"/>
                     </a:solidFill>
@@ -10730,7 +10730,7 @@
               </a:ln>
               <a:extLst>
                 <a:ext uri="{91240B29-F687-4f45-9708-019B960494DF}">
-                  <a14:hiddenLine xmlns:a14="http://schemas.microsoft.com/office/drawing/2010/main" xmlns="" w="9525">
+                  <a14:hiddenLine xmlns="" xmlns:a14="http://schemas.microsoft.com/office/drawing/2010/main" w="9525">
                     <a:solidFill>
                       <a:srgbClr val="000000"/>
                     </a:solidFill>
@@ -10820,7 +10820,7 @@
               </a:ln>
               <a:extLst>
                 <a:ext uri="{91240B29-F687-4f45-9708-019B960494DF}">
-                  <a14:hiddenLine xmlns:a14="http://schemas.microsoft.com/office/drawing/2010/main" xmlns="" w="9525">
+                  <a14:hiddenLine xmlns="" xmlns:a14="http://schemas.microsoft.com/office/drawing/2010/main" w="9525">
                     <a:solidFill>
                       <a:srgbClr val="000000"/>
                     </a:solidFill>
@@ -10882,7 +10882,7 @@
               </a:ln>
               <a:extLst>
                 <a:ext uri="{91240B29-F687-4f45-9708-019B960494DF}">
-                  <a14:hiddenLine xmlns:a14="http://schemas.microsoft.com/office/drawing/2010/main" xmlns="" w="9525">
+                  <a14:hiddenLine xmlns="" xmlns:a14="http://schemas.microsoft.com/office/drawing/2010/main" w="9525">
                     <a:solidFill>
                       <a:srgbClr val="000000"/>
                     </a:solidFill>
@@ -10992,7 +10992,7 @@
               </a:ln>
               <a:extLst>
                 <a:ext uri="{91240B29-F687-4f45-9708-019B960494DF}">
-                  <a14:hiddenLine xmlns:a14="http://schemas.microsoft.com/office/drawing/2010/main" xmlns="" w="9525">
+                  <a14:hiddenLine xmlns="" xmlns:a14="http://schemas.microsoft.com/office/drawing/2010/main" w="9525">
                     <a:solidFill>
                       <a:srgbClr val="000000"/>
                     </a:solidFill>
@@ -11076,7 +11076,7 @@
               </a:ln>
               <a:extLst>
                 <a:ext uri="{91240B29-F687-4f45-9708-019B960494DF}">
-                  <a14:hiddenLine xmlns:a14="http://schemas.microsoft.com/office/drawing/2010/main" xmlns="" w="9525">
+                  <a14:hiddenLine xmlns="" xmlns:a14="http://schemas.microsoft.com/office/drawing/2010/main" w="9525">
                     <a:solidFill>
                       <a:srgbClr val="000000"/>
                     </a:solidFill>
@@ -11138,7 +11138,7 @@
               </a:ln>
               <a:extLst>
                 <a:ext uri="{91240B29-F687-4f45-9708-019B960494DF}">
-                  <a14:hiddenLine xmlns:a14="http://schemas.microsoft.com/office/drawing/2010/main" xmlns="" w="9525">
+                  <a14:hiddenLine xmlns="" xmlns:a14="http://schemas.microsoft.com/office/drawing/2010/main" w="9525">
                     <a:solidFill>
                       <a:srgbClr val="000000"/>
                     </a:solidFill>
@@ -11200,7 +11200,7 @@
               </a:ln>
               <a:extLst>
                 <a:ext uri="{91240B29-F687-4f45-9708-019B960494DF}">
-                  <a14:hiddenLine xmlns:a14="http://schemas.microsoft.com/office/drawing/2010/main" xmlns="" w="9525">
+                  <a14:hiddenLine xmlns="" xmlns:a14="http://schemas.microsoft.com/office/drawing/2010/main" w="9525">
                     <a:solidFill>
                       <a:srgbClr val="000000"/>
                     </a:solidFill>
@@ -11290,7 +11290,7 @@
               </a:ln>
               <a:extLst>
                 <a:ext uri="{91240B29-F687-4f45-9708-019B960494DF}">
-                  <a14:hiddenLine xmlns:a14="http://schemas.microsoft.com/office/drawing/2010/main" xmlns="" w="9525">
+                  <a14:hiddenLine xmlns="" xmlns:a14="http://schemas.microsoft.com/office/drawing/2010/main" w="9525">
                     <a:solidFill>
                       <a:srgbClr val="000000"/>
                     </a:solidFill>
@@ -11324,7 +11324,7 @@
               </a:ln>
               <a:extLst>
                 <a:ext uri="{91240B29-F687-4f45-9708-019B960494DF}">
-                  <a14:hiddenLine xmlns:a14="http://schemas.microsoft.com/office/drawing/2010/main" xmlns="" w="9525">
+                  <a14:hiddenLine xmlns="" xmlns:a14="http://schemas.microsoft.com/office/drawing/2010/main" w="9525">
                     <a:solidFill>
                       <a:srgbClr val="000000"/>
                     </a:solidFill>
@@ -11389,7 +11389,7 @@
               </a:ln>
               <a:extLst>
                 <a:ext uri="{91240B29-F687-4f45-9708-019B960494DF}">
-                  <a14:hiddenLine xmlns:a14="http://schemas.microsoft.com/office/drawing/2010/main" xmlns="" w="9525">
+                  <a14:hiddenLine xmlns="" xmlns:a14="http://schemas.microsoft.com/office/drawing/2010/main" w="9525">
                     <a:solidFill>
                       <a:srgbClr val="000000"/>
                     </a:solidFill>
@@ -11479,7 +11479,7 @@
               </a:ln>
               <a:extLst>
                 <a:ext uri="{91240B29-F687-4f45-9708-019B960494DF}">
-                  <a14:hiddenLine xmlns:a14="http://schemas.microsoft.com/office/drawing/2010/main" xmlns="" w="9525">
+                  <a14:hiddenLine xmlns="" xmlns:a14="http://schemas.microsoft.com/office/drawing/2010/main" w="9525">
                     <a:solidFill>
                       <a:srgbClr val="000000"/>
                     </a:solidFill>
@@ -11541,7 +11541,7 @@
               </a:ln>
               <a:extLst>
                 <a:ext uri="{91240B29-F687-4f45-9708-019B960494DF}">
-                  <a14:hiddenLine xmlns:a14="http://schemas.microsoft.com/office/drawing/2010/main" xmlns="" w="9525">
+                  <a14:hiddenLine xmlns="" xmlns:a14="http://schemas.microsoft.com/office/drawing/2010/main" w="9525">
                     <a:solidFill>
                       <a:srgbClr val="000000"/>
                     </a:solidFill>
@@ -11631,7 +11631,7 @@
               </a:ln>
               <a:extLst>
                 <a:ext uri="{91240B29-F687-4f45-9708-019B960494DF}">
-                  <a14:hiddenLine xmlns:a14="http://schemas.microsoft.com/office/drawing/2010/main" xmlns="" w="9525">
+                  <a14:hiddenLine xmlns="" xmlns:a14="http://schemas.microsoft.com/office/drawing/2010/main" w="9525">
                     <a:solidFill>
                       <a:srgbClr val="000000"/>
                     </a:solidFill>
@@ -11696,7 +11696,7 @@
               </a:ln>
               <a:extLst>
                 <a:ext uri="{91240B29-F687-4f45-9708-019B960494DF}">
-                  <a14:hiddenLine xmlns:a14="http://schemas.microsoft.com/office/drawing/2010/main" xmlns="" w="9525">
+                  <a14:hiddenLine xmlns="" xmlns:a14="http://schemas.microsoft.com/office/drawing/2010/main" w="9525">
                     <a:solidFill>
                       <a:srgbClr val="000000"/>
                     </a:solidFill>
@@ -11758,7 +11758,7 @@
               </a:ln>
               <a:extLst>
                 <a:ext uri="{91240B29-F687-4f45-9708-019B960494DF}">
-                  <a14:hiddenLine xmlns:a14="http://schemas.microsoft.com/office/drawing/2010/main" xmlns="" w="9525">
+                  <a14:hiddenLine xmlns="" xmlns:a14="http://schemas.microsoft.com/office/drawing/2010/main" w="9525">
                     <a:solidFill>
                       <a:srgbClr val="000000"/>
                     </a:solidFill>
@@ -11848,7 +11848,7 @@
               </a:ln>
               <a:extLst>
                 <a:ext uri="{91240B29-F687-4f45-9708-019B960494DF}">
-                  <a14:hiddenLine xmlns:a14="http://schemas.microsoft.com/office/drawing/2010/main" xmlns="" w="9525">
+                  <a14:hiddenLine xmlns="" xmlns:a14="http://schemas.microsoft.com/office/drawing/2010/main" w="9525">
                     <a:solidFill>
                       <a:srgbClr val="000000"/>
                     </a:solidFill>
@@ -11938,7 +11938,7 @@
               </a:ln>
               <a:extLst>
                 <a:ext uri="{91240B29-F687-4f45-9708-019B960494DF}">
-                  <a14:hiddenLine xmlns:a14="http://schemas.microsoft.com/office/drawing/2010/main" xmlns="" w="9525">
+                  <a14:hiddenLine xmlns="" xmlns:a14="http://schemas.microsoft.com/office/drawing/2010/main" w="9525">
                     <a:solidFill>
                       <a:srgbClr val="000000"/>
                     </a:solidFill>
@@ -12003,7 +12003,7 @@
               </a:ln>
               <a:extLst>
                 <a:ext uri="{91240B29-F687-4f45-9708-019B960494DF}">
-                  <a14:hiddenLine xmlns:a14="http://schemas.microsoft.com/office/drawing/2010/main" xmlns="" w="9525">
+                  <a14:hiddenLine xmlns="" xmlns:a14="http://schemas.microsoft.com/office/drawing/2010/main" w="9525">
                     <a:solidFill>
                       <a:srgbClr val="000000"/>
                     </a:solidFill>
@@ -12123,7 +12123,7 @@
               </a:ln>
               <a:extLst>
                 <a:ext uri="{91240B29-F687-4f45-9708-019B960494DF}">
-                  <a14:hiddenLine xmlns:a14="http://schemas.microsoft.com/office/drawing/2010/main" xmlns="" w="9525">
+                  <a14:hiddenLine xmlns="" xmlns:a14="http://schemas.microsoft.com/office/drawing/2010/main" w="9525">
                     <a:solidFill>
                       <a:srgbClr val="000000"/>
                     </a:solidFill>
@@ -12204,7 +12204,7 @@
               </a:ln>
               <a:extLst>
                 <a:ext uri="{91240B29-F687-4f45-9708-019B960494DF}">
-                  <a14:hiddenLine xmlns:a14="http://schemas.microsoft.com/office/drawing/2010/main" xmlns="" w="9525">
+                  <a14:hiddenLine xmlns="" xmlns:a14="http://schemas.microsoft.com/office/drawing/2010/main" w="9525">
                     <a:solidFill>
                       <a:srgbClr val="000000"/>
                     </a:solidFill>
@@ -12319,7 +12319,7 @@
               </a:ln>
               <a:extLst>
                 <a:ext uri="{91240B29-F687-4f45-9708-019B960494DF}">
-                  <a14:hiddenLine xmlns:a14="http://schemas.microsoft.com/office/drawing/2010/main" xmlns="" w="9525">
+                  <a14:hiddenLine xmlns="" xmlns:a14="http://schemas.microsoft.com/office/drawing/2010/main" w="9525">
                     <a:solidFill>
                       <a:srgbClr val="000000"/>
                     </a:solidFill>
@@ -12409,7 +12409,7 @@
               </a:ln>
               <a:extLst>
                 <a:ext uri="{91240B29-F687-4f45-9708-019B960494DF}">
-                  <a14:hiddenLine xmlns:a14="http://schemas.microsoft.com/office/drawing/2010/main" xmlns="" w="9525">
+                  <a14:hiddenLine xmlns="" xmlns:a14="http://schemas.microsoft.com/office/drawing/2010/main" w="9525">
                     <a:solidFill>
                       <a:srgbClr val="000000"/>
                     </a:solidFill>
@@ -12474,7 +12474,7 @@
               </a:ln>
               <a:extLst>
                 <a:ext uri="{91240B29-F687-4f45-9708-019B960494DF}">
-                  <a14:hiddenLine xmlns:a14="http://schemas.microsoft.com/office/drawing/2010/main" xmlns="" w="9525">
+                  <a14:hiddenLine xmlns="" xmlns:a14="http://schemas.microsoft.com/office/drawing/2010/main" w="9525">
                     <a:solidFill>
                       <a:srgbClr val="000000"/>
                     </a:solidFill>
@@ -12564,7 +12564,7 @@
               </a:ln>
               <a:extLst>
                 <a:ext uri="{91240B29-F687-4f45-9708-019B960494DF}">
-                  <a14:hiddenLine xmlns:a14="http://schemas.microsoft.com/office/drawing/2010/main" xmlns="" w="9525">
+                  <a14:hiddenLine xmlns="" xmlns:a14="http://schemas.microsoft.com/office/drawing/2010/main" w="9525">
                     <a:solidFill>
                       <a:srgbClr val="000000"/>
                     </a:solidFill>
@@ -12632,7 +12632,7 @@
               </a:ln>
               <a:extLst>
                 <a:ext uri="{91240B29-F687-4f45-9708-019B960494DF}">
-                  <a14:hiddenLine xmlns:a14="http://schemas.microsoft.com/office/drawing/2010/main" xmlns="" w="9525">
+                  <a14:hiddenLine xmlns="" xmlns:a14="http://schemas.microsoft.com/office/drawing/2010/main" w="9525">
                     <a:solidFill>
                       <a:srgbClr val="000000"/>
                     </a:solidFill>
@@ -12722,7 +12722,7 @@
               </a:ln>
               <a:extLst>
                 <a:ext uri="{91240B29-F687-4f45-9708-019B960494DF}">
-                  <a14:hiddenLine xmlns:a14="http://schemas.microsoft.com/office/drawing/2010/main" xmlns="" w="9525">
+                  <a14:hiddenLine xmlns="" xmlns:a14="http://schemas.microsoft.com/office/drawing/2010/main" w="9525">
                     <a:solidFill>
                       <a:srgbClr val="000000"/>
                     </a:solidFill>
@@ -12790,7 +12790,7 @@
               </a:ln>
               <a:extLst>
                 <a:ext uri="{91240B29-F687-4f45-9708-019B960494DF}">
-                  <a14:hiddenLine xmlns:a14="http://schemas.microsoft.com/office/drawing/2010/main" xmlns="" w="9525">
+                  <a14:hiddenLine xmlns="" xmlns:a14="http://schemas.microsoft.com/office/drawing/2010/main" w="9525">
                     <a:solidFill>
                       <a:srgbClr val="000000"/>
                     </a:solidFill>
@@ -12880,7 +12880,7 @@
               </a:ln>
               <a:extLst>
                 <a:ext uri="{91240B29-F687-4f45-9708-019B960494DF}">
-                  <a14:hiddenLine xmlns:a14="http://schemas.microsoft.com/office/drawing/2010/main" xmlns="" w="9525">
+                  <a14:hiddenLine xmlns="" xmlns:a14="http://schemas.microsoft.com/office/drawing/2010/main" w="9525">
                     <a:solidFill>
                       <a:srgbClr val="000000"/>
                     </a:solidFill>
@@ -12914,7 +12914,7 @@
               </a:ln>
               <a:extLst>
                 <a:ext uri="{91240B29-F687-4f45-9708-019B960494DF}">
-                  <a14:hiddenLine xmlns:a14="http://schemas.microsoft.com/office/drawing/2010/main" xmlns="" w="9525">
+                  <a14:hiddenLine xmlns="" xmlns:a14="http://schemas.microsoft.com/office/drawing/2010/main" w="9525">
                     <a:solidFill>
                       <a:srgbClr val="000000"/>
                     </a:solidFill>
@@ -13054,7 +13054,7 @@
           <a:p>
             <a:fld id="{EC4347D3-4C9A-C240-8F14-750059DFEEB0}" type="datetimeFigureOut">
               <a:rPr lang="en-US" smtClean="0"/>
-              <a:t>5/26/23</a:t>
+              <a:t>6/16/23</a:t>
             </a:fld>
             <a:endParaRPr lang="en-US"/>
           </a:p>
@@ -13609,8 +13609,8 @@
           </a:p>
         </p:txBody>
       </p:sp>
-      <mc:AlternateContent xmlns:mc="http://schemas.openxmlformats.org/markup-compatibility/2006">
-        <mc:Choice xmlns:a14="http://schemas.microsoft.com/office/drawing/2010/main" Requires="a14">
+      <mc:AlternateContent xmlns:mc="http://schemas.openxmlformats.org/markup-compatibility/2006" xmlns:a14="http://schemas.microsoft.com/office/drawing/2010/main">
+        <mc:Choice Requires="a14">
           <p:sp>
             <p:nvSpPr>
               <p:cNvPr id="3" name="Content Placeholder 2"/>
@@ -13848,7 +13848,7 @@
             </p:txBody>
           </p:sp>
         </mc:Choice>
-        <mc:Fallback>
+        <mc:Fallback xmlns="">
           <p:sp>
             <p:nvSpPr>
               <p:cNvPr id="3" name="Content Placeholder 2"/>
@@ -14022,8 +14022,8 @@
           </a:p>
         </p:txBody>
       </p:sp>
-      <mc:AlternateContent xmlns:mc="http://schemas.openxmlformats.org/markup-compatibility/2006">
-        <mc:Choice xmlns:a14="http://schemas.microsoft.com/office/drawing/2010/main" Requires="a14">
+      <mc:AlternateContent xmlns:mc="http://schemas.openxmlformats.org/markup-compatibility/2006" xmlns:a14="http://schemas.microsoft.com/office/drawing/2010/main">
+        <mc:Choice Requires="a14">
           <p:sp>
             <p:nvSpPr>
               <p:cNvPr id="5" name="Content Placeholder 2">
@@ -14266,7 +14266,7 @@
             </p:txBody>
           </p:sp>
         </mc:Choice>
-        <mc:Fallback>
+        <mc:Fallback xmlns="">
           <p:sp>
             <p:nvSpPr>
               <p:cNvPr id="5" name="Content Placeholder 2">
@@ -14311,8 +14311,8 @@
           </p:sp>
         </mc:Fallback>
       </mc:AlternateContent>
-      <mc:AlternateContent xmlns:mc="http://schemas.openxmlformats.org/markup-compatibility/2006">
-        <mc:Choice xmlns:a14="http://schemas.microsoft.com/office/drawing/2010/main" Requires="a14">
+      <mc:AlternateContent xmlns:mc="http://schemas.openxmlformats.org/markup-compatibility/2006" xmlns:a14="http://schemas.microsoft.com/office/drawing/2010/main">
+        <mc:Choice Requires="a14">
           <p:sp>
             <p:nvSpPr>
               <p:cNvPr id="6" name="Content Placeholder 2">
@@ -15041,7 +15041,7 @@
             </p:txBody>
           </p:sp>
         </mc:Choice>
-        <mc:Fallback>
+        <mc:Fallback xmlns="">
           <p:sp>
             <p:nvSpPr>
               <p:cNvPr id="6" name="Content Placeholder 2">
@@ -15086,8 +15086,8 @@
           </p:sp>
         </mc:Fallback>
       </mc:AlternateContent>
-      <mc:AlternateContent xmlns:mc="http://schemas.openxmlformats.org/markup-compatibility/2006">
-        <mc:Choice xmlns:a14="http://schemas.microsoft.com/office/drawing/2010/main" Requires="a14">
+      <mc:AlternateContent xmlns:mc="http://schemas.openxmlformats.org/markup-compatibility/2006" xmlns:a14="http://schemas.microsoft.com/office/drawing/2010/main">
+        <mc:Choice Requires="a14">
           <p:sp>
             <p:nvSpPr>
               <p:cNvPr id="7" name="Content Placeholder 2">
@@ -15402,7 +15402,7 @@
             </p:txBody>
           </p:sp>
         </mc:Choice>
-        <mc:Fallback>
+        <mc:Fallback xmlns="">
           <p:sp>
             <p:nvSpPr>
               <p:cNvPr id="7" name="Content Placeholder 2">
@@ -15447,8 +15447,8 @@
           </p:sp>
         </mc:Fallback>
       </mc:AlternateContent>
-      <mc:AlternateContent xmlns:mc="http://schemas.openxmlformats.org/markup-compatibility/2006">
-        <mc:Choice xmlns:a14="http://schemas.microsoft.com/office/drawing/2010/main" Requires="a14">
+      <mc:AlternateContent xmlns:mc="http://schemas.openxmlformats.org/markup-compatibility/2006" xmlns:a14="http://schemas.microsoft.com/office/drawing/2010/main">
+        <mc:Choice Requires="a14">
           <p:sp>
             <p:nvSpPr>
               <p:cNvPr id="8" name="Content Placeholder 2">
@@ -15696,7 +15696,7 @@
             </p:txBody>
           </p:sp>
         </mc:Choice>
-        <mc:Fallback>
+        <mc:Fallback xmlns="">
           <p:sp>
             <p:nvSpPr>
               <p:cNvPr id="8" name="Content Placeholder 2">
@@ -15741,8 +15741,8 @@
           </p:sp>
         </mc:Fallback>
       </mc:AlternateContent>
-      <mc:AlternateContent xmlns:mc="http://schemas.openxmlformats.org/markup-compatibility/2006">
-        <mc:Choice xmlns:a14="http://schemas.microsoft.com/office/drawing/2010/main" Requires="a14">
+      <mc:AlternateContent xmlns:mc="http://schemas.openxmlformats.org/markup-compatibility/2006" xmlns:a14="http://schemas.microsoft.com/office/drawing/2010/main">
+        <mc:Choice Requires="a14">
           <p:sp>
             <p:nvSpPr>
               <p:cNvPr id="9" name="Content Placeholder 2">
@@ -16000,7 +16000,7 @@
             </p:txBody>
           </p:sp>
         </mc:Choice>
-        <mc:Fallback>
+        <mc:Fallback xmlns="">
           <p:sp>
             <p:nvSpPr>
               <p:cNvPr id="9" name="Content Placeholder 2">
@@ -16165,8 +16165,8 @@
           </a:p>
         </p:txBody>
       </p:sp>
-      <mc:AlternateContent xmlns:mc="http://schemas.openxmlformats.org/markup-compatibility/2006">
-        <mc:Choice xmlns:a14="http://schemas.microsoft.com/office/drawing/2010/main" Requires="a14">
+      <mc:AlternateContent xmlns:mc="http://schemas.openxmlformats.org/markup-compatibility/2006" xmlns:a14="http://schemas.microsoft.com/office/drawing/2010/main">
+        <mc:Choice Requires="a14">
           <p:sp>
             <p:nvSpPr>
               <p:cNvPr id="5" name="Content Placeholder 2">
@@ -16694,7 +16694,7 @@
             </p:txBody>
           </p:sp>
         </mc:Choice>
-        <mc:Fallback>
+        <mc:Fallback xmlns="">
           <p:sp>
             <p:nvSpPr>
               <p:cNvPr id="5" name="Content Placeholder 2">
@@ -16739,8 +16739,8 @@
           </p:sp>
         </mc:Fallback>
       </mc:AlternateContent>
-      <mc:AlternateContent xmlns:mc="http://schemas.openxmlformats.org/markup-compatibility/2006">
-        <mc:Choice xmlns:a14="http://schemas.microsoft.com/office/drawing/2010/main" Requires="a14">
+      <mc:AlternateContent xmlns:mc="http://schemas.openxmlformats.org/markup-compatibility/2006" xmlns:a14="http://schemas.microsoft.com/office/drawing/2010/main">
+        <mc:Choice Requires="a14">
           <p:sp>
             <p:nvSpPr>
               <p:cNvPr id="6" name="Content Placeholder 2">
@@ -16986,7 +16986,7 @@
             </p:txBody>
           </p:sp>
         </mc:Choice>
-        <mc:Fallback>
+        <mc:Fallback xmlns="">
           <p:sp>
             <p:nvSpPr>
               <p:cNvPr id="6" name="Content Placeholder 2">
@@ -17031,8 +17031,8 @@
           </p:sp>
         </mc:Fallback>
       </mc:AlternateContent>
-      <mc:AlternateContent xmlns:mc="http://schemas.openxmlformats.org/markup-compatibility/2006">
-        <mc:Choice xmlns:a14="http://schemas.microsoft.com/office/drawing/2010/main" Requires="a14">
+      <mc:AlternateContent xmlns:mc="http://schemas.openxmlformats.org/markup-compatibility/2006" xmlns:a14="http://schemas.microsoft.com/office/drawing/2010/main">
+        <mc:Choice Requires="a14">
           <p:sp>
             <p:nvSpPr>
               <p:cNvPr id="7" name="Content Placeholder 2">
@@ -17803,7 +17803,7 @@
             </p:txBody>
           </p:sp>
         </mc:Choice>
-        <mc:Fallback>
+        <mc:Fallback xmlns="">
           <p:sp>
             <p:nvSpPr>
               <p:cNvPr id="7" name="Content Placeholder 2">
@@ -17848,8 +17848,8 @@
           </p:sp>
         </mc:Fallback>
       </mc:AlternateContent>
-      <mc:AlternateContent xmlns:mc="http://schemas.openxmlformats.org/markup-compatibility/2006">
-        <mc:Choice xmlns:a14="http://schemas.microsoft.com/office/drawing/2010/main" Requires="a14">
+      <mc:AlternateContent xmlns:mc="http://schemas.openxmlformats.org/markup-compatibility/2006" xmlns:a14="http://schemas.microsoft.com/office/drawing/2010/main">
+        <mc:Choice Requires="a14">
           <p:sp>
             <p:nvSpPr>
               <p:cNvPr id="8" name="Content Placeholder 2">
@@ -18097,7 +18097,7 @@
             </p:txBody>
           </p:sp>
         </mc:Choice>
-        <mc:Fallback>
+        <mc:Fallback xmlns="">
           <p:sp>
             <p:nvSpPr>
               <p:cNvPr id="8" name="Content Placeholder 2">
@@ -18142,8 +18142,8 @@
           </p:sp>
         </mc:Fallback>
       </mc:AlternateContent>
-      <mc:AlternateContent xmlns:mc="http://schemas.openxmlformats.org/markup-compatibility/2006">
-        <mc:Choice xmlns:a14="http://schemas.microsoft.com/office/drawing/2010/main" Requires="a14">
+      <mc:AlternateContent xmlns:mc="http://schemas.openxmlformats.org/markup-compatibility/2006" xmlns:a14="http://schemas.microsoft.com/office/drawing/2010/main">
+        <mc:Choice Requires="a14">
           <p:sp>
             <p:nvSpPr>
               <p:cNvPr id="9" name="Content Placeholder 2">
@@ -18401,7 +18401,7 @@
             </p:txBody>
           </p:sp>
         </mc:Choice>
-        <mc:Fallback>
+        <mc:Fallback xmlns="">
           <p:sp>
             <p:nvSpPr>
               <p:cNvPr id="9" name="Content Placeholder 2">
@@ -19472,8 +19472,8 @@
           </a:p>
         </p:txBody>
       </p:sp>
-      <mc:AlternateContent xmlns:mc="http://schemas.openxmlformats.org/markup-compatibility/2006">
-        <mc:Choice xmlns:a14="http://schemas.microsoft.com/office/drawing/2010/main" Requires="a14">
+      <mc:AlternateContent xmlns:mc="http://schemas.openxmlformats.org/markup-compatibility/2006" xmlns:a14="http://schemas.microsoft.com/office/drawing/2010/main">
+        <mc:Choice Requires="a14">
           <p:sp>
             <p:nvSpPr>
               <p:cNvPr id="3" name="Content Placeholder 2"/>
@@ -19637,7 +19637,7 @@
             </p:txBody>
           </p:sp>
         </mc:Choice>
-        <mc:Fallback>
+        <mc:Fallback xmlns="">
           <p:sp>
             <p:nvSpPr>
               <p:cNvPr id="3" name="Content Placeholder 2"/>
@@ -20087,8 +20087,8 @@
           </a:p>
         </p:txBody>
       </p:sp>
-      <mc:AlternateContent xmlns:mc="http://schemas.openxmlformats.org/markup-compatibility/2006">
-        <mc:Choice xmlns:a14="http://schemas.microsoft.com/office/drawing/2010/main" Requires="a14">
+      <mc:AlternateContent xmlns:mc="http://schemas.openxmlformats.org/markup-compatibility/2006" xmlns:a14="http://schemas.microsoft.com/office/drawing/2010/main">
+        <mc:Choice Requires="a14">
           <p:sp>
             <p:nvSpPr>
               <p:cNvPr id="5" name="Content Placeholder 2">
@@ -20667,7 +20667,7 @@
             </p:txBody>
           </p:sp>
         </mc:Choice>
-        <mc:Fallback>
+        <mc:Fallback xmlns="">
           <p:sp>
             <p:nvSpPr>
               <p:cNvPr id="5" name="Content Placeholder 2">
@@ -20927,8 +20927,8 @@
           </a:p>
         </p:txBody>
       </p:sp>
-      <mc:AlternateContent xmlns:mc="http://schemas.openxmlformats.org/markup-compatibility/2006">
-        <mc:Choice xmlns:a14="http://schemas.microsoft.com/office/drawing/2010/main" Requires="a14">
+      <mc:AlternateContent xmlns:mc="http://schemas.openxmlformats.org/markup-compatibility/2006" xmlns:a14="http://schemas.microsoft.com/office/drawing/2010/main">
+        <mc:Choice Requires="a14">
           <p:sp>
             <p:nvSpPr>
               <p:cNvPr id="8" name="Content Placeholder 2">
@@ -21220,7 +21220,7 @@
             </p:txBody>
           </p:sp>
         </mc:Choice>
-        <mc:Fallback>
+        <mc:Fallback xmlns="">
           <p:sp>
             <p:nvSpPr>
               <p:cNvPr id="8" name="Content Placeholder 2">
@@ -21353,8 +21353,8 @@
           </a:p>
         </p:txBody>
       </p:sp>
-      <mc:AlternateContent xmlns:mc="http://schemas.openxmlformats.org/markup-compatibility/2006">
-        <mc:Choice xmlns:a14="http://schemas.microsoft.com/office/drawing/2010/main" Requires="a14">
+      <mc:AlternateContent xmlns:mc="http://schemas.openxmlformats.org/markup-compatibility/2006" xmlns:a14="http://schemas.microsoft.com/office/drawing/2010/main">
+        <mc:Choice Requires="a14">
           <p:sp>
             <p:nvSpPr>
               <p:cNvPr id="2" name="TextBox 1"/>
@@ -21541,7 +21541,7 @@
             </p:txBody>
           </p:sp>
         </mc:Choice>
-        <mc:Fallback>
+        <mc:Fallback xmlns="">
           <p:sp>
             <p:nvSpPr>
               <p:cNvPr id="2" name="TextBox 1"/>
@@ -25657,8 +25657,8 @@
           </a:p>
         </p:txBody>
       </p:sp>
-      <mc:AlternateContent xmlns:mc="http://schemas.openxmlformats.org/markup-compatibility/2006">
-        <mc:Choice xmlns:a14="http://schemas.microsoft.com/office/drawing/2010/main" Requires="a14">
+      <mc:AlternateContent xmlns:mc="http://schemas.openxmlformats.org/markup-compatibility/2006" xmlns:a14="http://schemas.microsoft.com/office/drawing/2010/main">
+        <mc:Choice Requires="a14">
           <p:sp>
             <p:nvSpPr>
               <p:cNvPr id="3" name="Content Placeholder 2"/>
@@ -25928,7 +25928,7 @@
             </p:txBody>
           </p:sp>
         </mc:Choice>
-        <mc:Fallback>
+        <mc:Fallback xmlns="">
           <p:sp>
             <p:nvSpPr>
               <p:cNvPr id="3" name="Content Placeholder 2"/>
@@ -33501,8 +33501,8 @@
           </a:p>
         </p:txBody>
       </p:sp>
-      <mc:AlternateContent xmlns:mc="http://schemas.openxmlformats.org/markup-compatibility/2006">
-        <mc:Choice xmlns:a14="http://schemas.microsoft.com/office/drawing/2010/main" Requires="a14">
+      <mc:AlternateContent xmlns:mc="http://schemas.openxmlformats.org/markup-compatibility/2006" xmlns:a14="http://schemas.microsoft.com/office/drawing/2010/main">
+        <mc:Choice Requires="a14">
           <p:sp>
             <p:nvSpPr>
               <p:cNvPr id="4" name="Content Placeholder 3">
@@ -33688,7 +33688,7 @@
             </p:txBody>
           </p:sp>
         </mc:Choice>
-        <mc:Fallback>
+        <mc:Fallback xmlns="">
           <p:sp>
             <p:nvSpPr>
               <p:cNvPr id="4" name="Content Placeholder 3">
@@ -33765,8 +33765,8 @@
           </a:p>
         </p:txBody>
       </p:sp>
-      <mc:AlternateContent xmlns:mc="http://schemas.openxmlformats.org/markup-compatibility/2006">
-        <mc:Choice xmlns:a14="http://schemas.microsoft.com/office/drawing/2010/main" Requires="a14">
+      <mc:AlternateContent xmlns:mc="http://schemas.openxmlformats.org/markup-compatibility/2006" xmlns:a14="http://schemas.microsoft.com/office/drawing/2010/main">
+        <mc:Choice Requires="a14">
           <p:sp>
             <p:nvSpPr>
               <p:cNvPr id="6" name="Content Placeholder 5">
@@ -33971,7 +33971,7 @@
             </p:txBody>
           </p:sp>
         </mc:Choice>
-        <mc:Fallback>
+        <mc:Fallback xmlns="">
           <p:sp>
             <p:nvSpPr>
               <p:cNvPr id="6" name="Content Placeholder 5">
@@ -34108,8 +34108,8 @@
           </a:p>
         </p:txBody>
       </p:sp>
-      <mc:AlternateContent xmlns:mc="http://schemas.openxmlformats.org/markup-compatibility/2006">
-        <mc:Choice xmlns:a14="http://schemas.microsoft.com/office/drawing/2010/main" Requires="a14">
+      <mc:AlternateContent xmlns:mc="http://schemas.openxmlformats.org/markup-compatibility/2006" xmlns:a14="http://schemas.microsoft.com/office/drawing/2010/main">
+        <mc:Choice Requires="a14">
           <p:sp>
             <p:nvSpPr>
               <p:cNvPr id="3" name="Content Placeholder 2">
@@ -34224,7 +34224,7 @@
             </p:txBody>
           </p:sp>
         </mc:Choice>
-        <mc:Fallback>
+        <mc:Fallback xmlns="">
           <p:sp>
             <p:nvSpPr>
               <p:cNvPr id="3" name="Content Placeholder 2">
@@ -34268,8 +34268,8 @@
           </p:sp>
         </mc:Fallback>
       </mc:AlternateContent>
-      <mc:AlternateContent xmlns:mc="http://schemas.openxmlformats.org/markup-compatibility/2006">
-        <mc:Choice xmlns:a14="http://schemas.microsoft.com/office/drawing/2010/main" Requires="a14">
+      <mc:AlternateContent xmlns:mc="http://schemas.openxmlformats.org/markup-compatibility/2006" xmlns:a14="http://schemas.microsoft.com/office/drawing/2010/main">
+        <mc:Choice Requires="a14">
           <p:sp>
             <p:nvSpPr>
               <p:cNvPr id="4" name="Content Placeholder 3">
@@ -34398,7 +34398,7 @@
             </p:txBody>
           </p:sp>
         </mc:Choice>
-        <mc:Fallback>
+        <mc:Fallback xmlns="">
           <p:sp>
             <p:nvSpPr>
               <p:cNvPr id="4" name="Content Placeholder 3">
@@ -34535,8 +34535,8 @@
           </a:p>
         </p:txBody>
       </p:sp>
-      <mc:AlternateContent xmlns:mc="http://schemas.openxmlformats.org/markup-compatibility/2006">
-        <mc:Choice xmlns:a14="http://schemas.microsoft.com/office/drawing/2010/main" Requires="a14">
+      <mc:AlternateContent xmlns:mc="http://schemas.openxmlformats.org/markup-compatibility/2006" xmlns:a14="http://schemas.microsoft.com/office/drawing/2010/main">
+        <mc:Choice Requires="a14">
           <p:sp>
             <p:nvSpPr>
               <p:cNvPr id="3" name="Content Placeholder 2">
@@ -34651,7 +34651,7 @@
             </p:txBody>
           </p:sp>
         </mc:Choice>
-        <mc:Fallback>
+        <mc:Fallback xmlns="">
           <p:sp>
             <p:nvSpPr>
               <p:cNvPr id="3" name="Content Placeholder 2">
@@ -34695,8 +34695,8 @@
           </p:sp>
         </mc:Fallback>
       </mc:AlternateContent>
-      <mc:AlternateContent xmlns:mc="http://schemas.openxmlformats.org/markup-compatibility/2006">
-        <mc:Choice xmlns:a14="http://schemas.microsoft.com/office/drawing/2010/main" Requires="a14">
+      <mc:AlternateContent xmlns:mc="http://schemas.openxmlformats.org/markup-compatibility/2006" xmlns:a14="http://schemas.microsoft.com/office/drawing/2010/main">
+        <mc:Choice Requires="a14">
           <p:sp>
             <p:nvSpPr>
               <p:cNvPr id="4" name="Content Placeholder 3">
@@ -34825,7 +34825,7 @@
             </p:txBody>
           </p:sp>
         </mc:Choice>
-        <mc:Fallback>
+        <mc:Fallback xmlns="">
           <p:sp>
             <p:nvSpPr>
               <p:cNvPr id="4" name="Content Placeholder 3">
@@ -37382,8 +37382,8 @@
           </a:p>
         </p:txBody>
       </p:sp>
-      <mc:AlternateContent xmlns:mc="http://schemas.openxmlformats.org/markup-compatibility/2006">
-        <mc:Choice xmlns:a14="http://schemas.microsoft.com/office/drawing/2010/main" Requires="a14">
+      <mc:AlternateContent xmlns:mc="http://schemas.openxmlformats.org/markup-compatibility/2006" xmlns:a14="http://schemas.microsoft.com/office/drawing/2010/main">
+        <mc:Choice Requires="a14">
           <p:sp>
             <p:nvSpPr>
               <p:cNvPr id="3" name="Content Placeholder 2">
@@ -37555,7 +37555,7 @@
             </p:txBody>
           </p:sp>
         </mc:Choice>
-        <mc:Fallback>
+        <mc:Fallback xmlns="">
           <p:sp>
             <p:nvSpPr>
               <p:cNvPr id="3" name="Content Placeholder 2">
@@ -37751,8 +37751,8 @@
           </a:p>
         </p:txBody>
       </p:sp>
-      <mc:AlternateContent xmlns:mc="http://schemas.openxmlformats.org/markup-compatibility/2006">
-        <mc:Choice xmlns:a14="http://schemas.microsoft.com/office/drawing/2010/main" Requires="a14">
+      <mc:AlternateContent xmlns:mc="http://schemas.openxmlformats.org/markup-compatibility/2006" xmlns:a14="http://schemas.microsoft.com/office/drawing/2010/main">
+        <mc:Choice Requires="a14">
           <p:sp>
             <p:nvSpPr>
               <p:cNvPr id="3" name="Content Placeholder 2">
@@ -37924,7 +37924,7 @@
             </p:txBody>
           </p:sp>
         </mc:Choice>
-        <mc:Fallback>
+        <mc:Fallback xmlns="">
           <p:sp>
             <p:nvSpPr>
               <p:cNvPr id="3" name="Content Placeholder 2">
@@ -38657,8 +38657,8 @@
           </a:p>
         </p:txBody>
       </p:sp>
-      <mc:AlternateContent xmlns:mc="http://schemas.openxmlformats.org/markup-compatibility/2006">
-        <mc:Choice xmlns:a14="http://schemas.microsoft.com/office/drawing/2010/main" Requires="a14">
+      <mc:AlternateContent xmlns:mc="http://schemas.openxmlformats.org/markup-compatibility/2006" xmlns:a14="http://schemas.microsoft.com/office/drawing/2010/main">
+        <mc:Choice Requires="a14">
           <p:sp>
             <p:nvSpPr>
               <p:cNvPr id="8" name="Content Placeholder 3">
@@ -38993,7 +38993,7 @@
             </p:txBody>
           </p:sp>
         </mc:Choice>
-        <mc:Fallback>
+        <mc:Fallback xmlns="">
           <p:sp>
             <p:nvSpPr>
               <p:cNvPr id="8" name="Content Placeholder 3">
@@ -39322,8 +39322,8 @@
           </a:p>
         </p:txBody>
       </p:sp>
-      <mc:AlternateContent xmlns:mc="http://schemas.openxmlformats.org/markup-compatibility/2006">
-        <mc:Choice xmlns:a14="http://schemas.microsoft.com/office/drawing/2010/main" Requires="a14">
+      <mc:AlternateContent xmlns:mc="http://schemas.openxmlformats.org/markup-compatibility/2006" xmlns:a14="http://schemas.microsoft.com/office/drawing/2010/main">
+        <mc:Choice Requires="a14">
           <p:sp>
             <p:nvSpPr>
               <p:cNvPr id="3" name="Content Placeholder 2">
@@ -39381,7 +39381,7 @@
             </p:txBody>
           </p:sp>
         </mc:Choice>
-        <mc:Fallback>
+        <mc:Fallback xmlns="">
           <p:sp>
             <p:nvSpPr>
               <p:cNvPr id="3" name="Content Placeholder 2">
@@ -39454,8 +39454,8 @@
           </a:p>
         </p:txBody>
       </p:sp>
-      <mc:AlternateContent xmlns:mc="http://schemas.openxmlformats.org/markup-compatibility/2006">
-        <mc:Choice xmlns:a14="http://schemas.microsoft.com/office/drawing/2010/main" Requires="a14">
+      <mc:AlternateContent xmlns:mc="http://schemas.openxmlformats.org/markup-compatibility/2006" xmlns:a14="http://schemas.microsoft.com/office/drawing/2010/main">
+        <mc:Choice Requires="a14">
           <p:sp>
             <p:nvSpPr>
               <p:cNvPr id="5" name="Content Placeholder 2">
@@ -40070,7 +40070,7 @@
             </p:txBody>
           </p:sp>
         </mc:Choice>
-        <mc:Fallback>
+        <mc:Fallback xmlns="">
           <p:sp>
             <p:nvSpPr>
               <p:cNvPr id="5" name="Content Placeholder 2">
@@ -40457,8 +40457,8 @@
           </a:p>
         </p:txBody>
       </p:sp>
-      <mc:AlternateContent xmlns:mc="http://schemas.openxmlformats.org/markup-compatibility/2006">
-        <mc:Choice xmlns:a14="http://schemas.microsoft.com/office/drawing/2010/main" Requires="a14">
+      <mc:AlternateContent xmlns:mc="http://schemas.openxmlformats.org/markup-compatibility/2006" xmlns:a14="http://schemas.microsoft.com/office/drawing/2010/main">
+        <mc:Choice Requires="a14">
           <p:sp>
             <p:nvSpPr>
               <p:cNvPr id="6" name="Content Placeholder 2">
@@ -40936,7 +40936,7 @@
             </p:txBody>
           </p:sp>
         </mc:Choice>
-        <mc:Fallback>
+        <mc:Fallback xmlns="">
           <p:sp>
             <p:nvSpPr>
               <p:cNvPr id="6" name="Content Placeholder 2">
@@ -40981,8 +40981,8 @@
           </p:sp>
         </mc:Fallback>
       </mc:AlternateContent>
-      <mc:AlternateContent xmlns:mc="http://schemas.openxmlformats.org/markup-compatibility/2006">
-        <mc:Choice xmlns:a14="http://schemas.microsoft.com/office/drawing/2010/main" Requires="a14">
+      <mc:AlternateContent xmlns:mc="http://schemas.openxmlformats.org/markup-compatibility/2006" xmlns:a14="http://schemas.microsoft.com/office/drawing/2010/main">
+        <mc:Choice Requires="a14">
           <p:sp>
             <p:nvSpPr>
               <p:cNvPr id="7" name="Content Placeholder 2">
@@ -41483,7 +41483,7 @@
             </p:txBody>
           </p:sp>
         </mc:Choice>
-        <mc:Fallback>
+        <mc:Fallback xmlns="">
           <p:sp>
             <p:nvSpPr>
               <p:cNvPr id="7" name="Content Placeholder 2">
@@ -41586,8 +41586,8 @@
           </a:p>
         </p:txBody>
       </p:sp>
-      <mc:AlternateContent xmlns:mc="http://schemas.openxmlformats.org/markup-compatibility/2006">
-        <mc:Choice xmlns:a14="http://schemas.microsoft.com/office/drawing/2010/main" Requires="a14">
+      <mc:AlternateContent xmlns:mc="http://schemas.openxmlformats.org/markup-compatibility/2006" xmlns:a14="http://schemas.microsoft.com/office/drawing/2010/main">
+        <mc:Choice Requires="a14">
           <p:sp>
             <p:nvSpPr>
               <p:cNvPr id="3" name="Content Placeholder 2"/>
@@ -41909,7 +41909,7 @@
             </p:txBody>
           </p:sp>
         </mc:Choice>
-        <mc:Fallback>
+        <mc:Fallback xmlns="">
           <p:sp>
             <p:nvSpPr>
               <p:cNvPr id="3" name="Content Placeholder 2"/>
